--- a/AI_presentation/aco_presentation.pptx
+++ b/AI_presentation/aco_presentation.pptx
@@ -169,9 +169,101 @@
 <file path=ppt/revisionInfo.xml><?xml version="1.0" encoding="utf-8"?>
 <p1510:revInfo xmlns:a="http://schemas.openxmlformats.org/drawingml/2006/main" xmlns:r="http://schemas.openxmlformats.org/officeDocument/2006/relationships" xmlns:p1510="http://schemas.microsoft.com/office/powerpoint/2015/10/main">
   <p1510:revLst>
-    <p1510:client id="{8F1FD2E8-3BFD-40E1-BC13-EDA0053A6315}" v="385" dt="2025-01-22T07:31:15.119"/>
+    <p1510:client id="{9967441F-B3BD-47B1-9D39-D22AE5E0C8BC}" v="4" dt="2025-02-11T07:17:54.371"/>
   </p1510:revLst>
 </p1510:revInfo>
+</file>
+
+<file path=ppt/changesInfos/changesInfo1.xml><?xml version="1.0" encoding="utf-8"?>
+<pc:chgInfo xmlns:a="http://schemas.openxmlformats.org/drawingml/2006/main" xmlns:r="http://schemas.openxmlformats.org/officeDocument/2006/relationships" xmlns:ac="http://schemas.microsoft.com/office/drawing/2013/main/command" xmlns:pc="http://schemas.microsoft.com/office/powerpoint/2013/main/command">
+  <pc:docChgLst>
+    <pc:chgData name="宏傑 楊" userId="ee57404c450d34c3" providerId="LiveId" clId="{9967441F-B3BD-47B1-9D39-D22AE5E0C8BC}"/>
+    <pc:docChg chg="undo custSel modSld">
+      <pc:chgData name="宏傑 楊" userId="ee57404c450d34c3" providerId="LiveId" clId="{9967441F-B3BD-47B1-9D39-D22AE5E0C8BC}" dt="2025-02-11T07:18:23.930" v="29" actId="20577"/>
+      <pc:docMkLst>
+        <pc:docMk/>
+      </pc:docMkLst>
+      <pc:sldChg chg="addSp delSp modSp mod">
+        <pc:chgData name="宏傑 楊" userId="ee57404c450d34c3" providerId="LiveId" clId="{9967441F-B3BD-47B1-9D39-D22AE5E0C8BC}" dt="2025-02-11T07:17:55.801" v="25" actId="14100"/>
+        <pc:sldMkLst>
+          <pc:docMk/>
+          <pc:sldMk cId="2899765048" sldId="673"/>
+        </pc:sldMkLst>
+        <pc:spChg chg="add del mod">
+          <ac:chgData name="宏傑 楊" userId="ee57404c450d34c3" providerId="LiveId" clId="{9967441F-B3BD-47B1-9D39-D22AE5E0C8BC}" dt="2025-02-11T07:17:38.851" v="16" actId="20577"/>
+          <ac:spMkLst>
+            <pc:docMk/>
+            <pc:sldMk cId="2899765048" sldId="673"/>
+            <ac:spMk id="8" creationId="{81B7E9C7-C3CC-21AC-DBF5-3BEFF2CE76E4}"/>
+          </ac:spMkLst>
+        </pc:spChg>
+        <pc:picChg chg="add del mod ord">
+          <ac:chgData name="宏傑 楊" userId="ee57404c450d34c3" providerId="LiveId" clId="{9967441F-B3BD-47B1-9D39-D22AE5E0C8BC}" dt="2025-02-11T07:15:28.579" v="3" actId="22"/>
+          <ac:picMkLst>
+            <pc:docMk/>
+            <pc:sldMk cId="2899765048" sldId="673"/>
+            <ac:picMk id="5" creationId="{2E956796-2B0F-EE1D-8886-1616A5CECBE5}"/>
+          </ac:picMkLst>
+        </pc:picChg>
+        <pc:picChg chg="add del">
+          <ac:chgData name="宏傑 楊" userId="ee57404c450d34c3" providerId="LiveId" clId="{9967441F-B3BD-47B1-9D39-D22AE5E0C8BC}" dt="2025-02-11T07:17:35.541" v="15" actId="22"/>
+          <ac:picMkLst>
+            <pc:docMk/>
+            <pc:sldMk cId="2899765048" sldId="673"/>
+            <ac:picMk id="7" creationId="{1B3F9840-0B57-48CC-1213-E35C11E2B322}"/>
+          </ac:picMkLst>
+        </pc:picChg>
+        <pc:picChg chg="add del mod">
+          <ac:chgData name="宏傑 楊" userId="ee57404c450d34c3" providerId="LiveId" clId="{9967441F-B3BD-47B1-9D39-D22AE5E0C8BC}" dt="2025-02-11T07:17:46.705" v="22" actId="21"/>
+          <ac:picMkLst>
+            <pc:docMk/>
+            <pc:sldMk cId="2899765048" sldId="673"/>
+            <ac:picMk id="10" creationId="{CF27DC6E-8083-30A0-59E7-788F6647A9DD}"/>
+          </ac:picMkLst>
+        </pc:picChg>
+        <pc:picChg chg="add mod">
+          <ac:chgData name="宏傑 楊" userId="ee57404c450d34c3" providerId="LiveId" clId="{9967441F-B3BD-47B1-9D39-D22AE5E0C8BC}" dt="2025-02-11T07:17:55.801" v="25" actId="14100"/>
+          <ac:picMkLst>
+            <pc:docMk/>
+            <pc:sldMk cId="2899765048" sldId="673"/>
+            <ac:picMk id="11" creationId="{A2586A7D-49D5-1E9C-C295-903BAD08504D}"/>
+          </ac:picMkLst>
+        </pc:picChg>
+      </pc:sldChg>
+      <pc:sldChg chg="addSp delSp modSp mod">
+        <pc:chgData name="宏傑 楊" userId="ee57404c450d34c3" providerId="LiveId" clId="{9967441F-B3BD-47B1-9D39-D22AE5E0C8BC}" dt="2025-02-11T07:18:23.930" v="29" actId="20577"/>
+        <pc:sldMkLst>
+          <pc:docMk/>
+          <pc:sldMk cId="3628732957" sldId="676"/>
+        </pc:sldMkLst>
+        <pc:spChg chg="add mod">
+          <ac:chgData name="宏傑 楊" userId="ee57404c450d34c3" providerId="LiveId" clId="{9967441F-B3BD-47B1-9D39-D22AE5E0C8BC}" dt="2025-02-11T07:18:23.930" v="29" actId="20577"/>
+          <ac:spMkLst>
+            <pc:docMk/>
+            <pc:sldMk cId="3628732957" sldId="676"/>
+            <ac:spMk id="5" creationId="{AC2CE254-5CDA-E464-E12A-F5884AE18D35}"/>
+          </ac:spMkLst>
+        </pc:spChg>
+        <pc:spChg chg="del">
+          <ac:chgData name="宏傑 楊" userId="ee57404c450d34c3" providerId="LiveId" clId="{9967441F-B3BD-47B1-9D39-D22AE5E0C8BC}" dt="2025-02-11T07:17:49.863" v="23"/>
+          <ac:spMkLst>
+            <pc:docMk/>
+            <pc:sldMk cId="3628732957" sldId="676"/>
+            <ac:spMk id="24" creationId="{87CBBCBD-9482-8192-6454-276B7B80DD58}"/>
+          </ac:spMkLst>
+        </pc:spChg>
+        <pc:picChg chg="add del mod">
+          <ac:chgData name="宏傑 楊" userId="ee57404c450d34c3" providerId="LiveId" clId="{9967441F-B3BD-47B1-9D39-D22AE5E0C8BC}" dt="2025-02-11T07:18:10.927" v="26" actId="478"/>
+          <ac:picMkLst>
+            <pc:docMk/>
+            <pc:sldMk cId="3628732957" sldId="676"/>
+            <ac:picMk id="10" creationId="{CF27DC6E-8083-30A0-59E7-788F6647A9DD}"/>
+          </ac:picMkLst>
+        </pc:picChg>
+      </pc:sldChg>
+    </pc:docChg>
+  </pc:docChgLst>
+</pc:chgInfo>
 </file>
 
 <file path=ppt/comments/modernComment_216_825EBD11.xml><?xml version="1.0" encoding="utf-8"?>
@@ -13587,10 +13679,10 @@
       </p:sp>
       <p:sp>
         <p:nvSpPr>
-          <p:cNvPr id="24" name="內容版面配置區 23">
+          <p:cNvPr id="5" name="內容版面配置區 4">
             <a:extLst>
               <a:ext uri="{FF2B5EF4-FFF2-40B4-BE49-F238E27FC236}">
-                <a16:creationId xmlns:a16="http://schemas.microsoft.com/office/drawing/2014/main" id="{87CBBCBD-9482-8192-6454-276B7B80DD58}"/>
+                <a16:creationId xmlns:a16="http://schemas.microsoft.com/office/drawing/2014/main" id="{AC2CE254-5CDA-E464-E12A-F5884AE18D35}"/>
               </a:ext>
             </a:extLst>
           </p:cNvPr>
@@ -13606,7 +13698,11 @@
           <a:bodyPr/>
           <a:lstStyle/>
           <a:p>
-            <a:endParaRPr lang="zh-TW" altLang="en-US"/>
+            <a:r>
+              <a:rPr lang="en-US" altLang="zh-TW" dirty="0"/>
+              <a:t>ACO</a:t>
+            </a:r>
+            <a:endParaRPr lang="zh-TW" altLang="en-US" dirty="0"/>
           </a:p>
         </p:txBody>
       </p:sp>
@@ -14084,31 +14180,138 @@
           </a:p>
         </p:txBody>
       </p:sp>
-      <p:sp>
-        <p:nvSpPr>
-          <p:cNvPr id="8" name="內容版面配置區 7">
+      <mc:AlternateContent xmlns:mc="http://schemas.openxmlformats.org/markup-compatibility/2006">
+        <mc:Choice xmlns:a14="http://schemas.microsoft.com/office/drawing/2010/main" Requires="a14">
+          <p:sp>
+            <p:nvSpPr>
+              <p:cNvPr id="8" name="內容版面配置區 7">
+                <a:extLst>
+                  <a:ext uri="{FF2B5EF4-FFF2-40B4-BE49-F238E27FC236}">
+                    <a16:creationId xmlns:a16="http://schemas.microsoft.com/office/drawing/2014/main" id="{81B7E9C7-C3CC-21AC-DBF5-3BEFF2CE76E4}"/>
+                  </a:ext>
+                </a:extLst>
+              </p:cNvPr>
+              <p:cNvSpPr>
+                <a:spLocks noGrp="1"/>
+              </p:cNvSpPr>
+              <p:nvPr>
+                <p:ph idx="1"/>
+              </p:nvPr>
+            </p:nvSpPr>
+            <p:spPr/>
+            <p:txBody>
+              <a:bodyPr/>
+              <a:lstStyle/>
+              <a:p>
+                <a:r>
+                  <a:rPr lang="en-US" altLang="zh-TW" dirty="0"/>
+                  <a:t>When </a:t>
+                </a:r>
+                <a14:m>
+                  <m:oMath xmlns:m="http://schemas.openxmlformats.org/officeDocument/2006/math">
+                    <m:r>
+                      <a:rPr lang="en-US" altLang="zh-TW" i="1" dirty="0" smtClean="0">
+                        <a:latin typeface="Cambria Math" panose="02040503050406030204" pitchFamily="18" charset="0"/>
+                      </a:rPr>
+                      <m:t>𝑛</m:t>
+                    </m:r>
+                    <m:r>
+                      <a:rPr lang="en-US" altLang="zh-TW" i="1" dirty="0" smtClean="0">
+                        <a:latin typeface="Cambria Math" panose="02040503050406030204" pitchFamily="18" charset="0"/>
+                      </a:rPr>
+                      <m:t>=17</m:t>
+                    </m:r>
+                  </m:oMath>
+                </a14:m>
+                <a:r>
+                  <a:rPr lang="en-US" altLang="zh-TW" dirty="0"/>
+                  <a:t>, the time required for DP exceeds that of ACO</a:t>
+                </a:r>
+              </a:p>
+              <a:p>
+                <a:endParaRPr lang="zh-TW" altLang="en-US" dirty="0"/>
+              </a:p>
+            </p:txBody>
+          </p:sp>
+        </mc:Choice>
+        <mc:Fallback>
+          <p:sp>
+            <p:nvSpPr>
+              <p:cNvPr id="8" name="內容版面配置區 7">
+                <a:extLst>
+                  <a:ext uri="{FF2B5EF4-FFF2-40B4-BE49-F238E27FC236}">
+                    <a16:creationId xmlns:a16="http://schemas.microsoft.com/office/drawing/2014/main" id="{81B7E9C7-C3CC-21AC-DBF5-3BEFF2CE76E4}"/>
+                  </a:ext>
+                </a:extLst>
+              </p:cNvPr>
+              <p:cNvSpPr>
+                <a:spLocks noGrp="1" noRot="1" noChangeAspect="1" noMove="1" noResize="1" noEditPoints="1" noAdjustHandles="1" noChangeArrowheads="1" noChangeShapeType="1" noTextEdit="1"/>
+              </p:cNvSpPr>
+              <p:nvPr>
+                <p:ph idx="1"/>
+              </p:nvPr>
+            </p:nvSpPr>
+            <p:spPr>
+              <a:blipFill>
+                <a:blip r:embed="rId2"/>
+                <a:stretch>
+                  <a:fillRect l="-368" t="-945"/>
+                </a:stretch>
+              </a:blipFill>
+            </p:spPr>
+            <p:txBody>
+              <a:bodyPr/>
+              <a:lstStyle/>
+              <a:p>
+                <a:r>
+                  <a:rPr lang="zh-TW" altLang="en-US">
+                    <a:noFill/>
+                  </a:rPr>
+                  <a:t> </a:t>
+                </a:r>
+              </a:p>
+            </p:txBody>
+          </p:sp>
+        </mc:Fallback>
+      </mc:AlternateContent>
+      <p:pic>
+        <p:nvPicPr>
+          <p:cNvPr id="11" name="內容版面配置區 9">
             <a:extLst>
               <a:ext uri="{FF2B5EF4-FFF2-40B4-BE49-F238E27FC236}">
-                <a16:creationId xmlns:a16="http://schemas.microsoft.com/office/drawing/2014/main" id="{81B7E9C7-C3CC-21AC-DBF5-3BEFF2CE76E4}"/>
+                <a16:creationId xmlns:a16="http://schemas.microsoft.com/office/drawing/2014/main" id="{A2586A7D-49D5-1E9C-C295-903BAD08504D}"/>
               </a:ext>
             </a:extLst>
           </p:cNvPr>
-          <p:cNvSpPr>
-            <a:spLocks noGrp="1"/>
-          </p:cNvSpPr>
-          <p:nvPr>
-            <p:ph idx="1"/>
-          </p:nvPr>
-        </p:nvSpPr>
-        <p:spPr/>
-        <p:txBody>
-          <a:bodyPr/>
-          <a:lstStyle/>
-          <a:p>
-            <a:endParaRPr lang="zh-TW" altLang="en-US"/>
-          </a:p>
-        </p:txBody>
-      </p:sp>
+          <p:cNvPicPr>
+            <a:picLocks noChangeAspect="1"/>
+          </p:cNvPicPr>
+          <p:nvPr/>
+        </p:nvPicPr>
+        <p:blipFill>
+          <a:blip r:embed="rId3"/>
+          <a:stretch>
+            <a:fillRect/>
+          </a:stretch>
+        </p:blipFill>
+        <p:spPr bwMode="auto">
+          <a:xfrm>
+            <a:off x="1770135" y="1727056"/>
+            <a:ext cx="5541818" cy="4156364"/>
+          </a:xfrm>
+          <a:prstGeom prst="rect">
+            <a:avLst/>
+          </a:prstGeom>
+          <a:noFill/>
+          <a:ln w="9525">
+            <a:noFill/>
+            <a:miter lim="800000"/>
+            <a:headEnd/>
+            <a:tailEnd/>
+          </a:ln>
+          <a:effectLst/>
+        </p:spPr>
+      </p:pic>
     </p:spTree>
     <p:extLst>
       <p:ext uri="{BB962C8B-B14F-4D97-AF65-F5344CB8AC3E}">
